--- a/slides/Slide.pptx
+++ b/slides/Slide.pptx
@@ -115,6 +115,14 @@
       </a:defRPr>
     </a:lvl9pPr>
   </p:defaultTextStyle>
+  <p:extLst>
+    <p:ext uri="{EFAFB233-063F-42B5-8137-9DF3F51BA10A}">
+      <p15:sldGuideLst xmlns:p15="http://schemas.microsoft.com/office/powerpoint/2012/main"/>
+    </p:ext>
+    <p:ext uri="{2D200454-40CA-4A62-9FC3-DE9A4176ACB9}">
+      <p15:notesGuideLst xmlns:p15="http://schemas.microsoft.com/office/powerpoint/2012/main"/>
+    </p:ext>
+  </p:extLst>
 </p:presentation>
 </file>
 
@@ -3200,6 +3208,236 @@
           </a:p>
         </p:txBody>
       </p:sp>
+      <p:grpSp>
+        <p:nvGrpSpPr>
+          <p:cNvPr id="7" name="Group 6">
+            <a:extLst>
+              <a:ext uri="{FF2B5EF4-FFF2-40B4-BE49-F238E27FC236}">
+                <a16:creationId xmlns:a16="http://schemas.microsoft.com/office/drawing/2014/main" id="{D2A817D6-66DB-4DD0-A347-DBA77DAEC64E}"/>
+              </a:ext>
+            </a:extLst>
+          </p:cNvPr>
+          <p:cNvGrpSpPr/>
+          <p:nvPr userDrawn="1"/>
+        </p:nvGrpSpPr>
+        <p:grpSpPr>
+          <a:xfrm>
+            <a:off x="109751" y="1338854"/>
+            <a:ext cx="728449" cy="4180292"/>
+            <a:chOff x="109751" y="1303306"/>
+            <a:chExt cx="728449" cy="4180292"/>
+          </a:xfrm>
+        </p:grpSpPr>
+        <p:pic>
+          <p:nvPicPr>
+            <p:cNvPr id="1026" name="Picture 2">
+              <a:extLst>
+                <a:ext uri="{FF2B5EF4-FFF2-40B4-BE49-F238E27FC236}">
+                  <a16:creationId xmlns:a16="http://schemas.microsoft.com/office/drawing/2014/main" id="{CD73BE3D-E568-4C9E-A6DC-7A0993CF4E34}"/>
+                </a:ext>
+              </a:extLst>
+            </p:cNvPr>
+            <p:cNvPicPr>
+              <a:picLocks noChangeAspect="1" noChangeArrowheads="1"/>
+            </p:cNvPicPr>
+            <p:nvPr userDrawn="1"/>
+          </p:nvPicPr>
+          <p:blipFill>
+            <a:blip r:embed="rId13">
+              <a:extLst>
+                <a:ext uri="{28A0092B-C50C-407E-A947-70E740481C1C}">
+                  <a14:useLocalDpi xmlns:a14="http://schemas.microsoft.com/office/drawing/2010/main" val="0"/>
+                </a:ext>
+              </a:extLst>
+            </a:blip>
+            <a:srcRect/>
+            <a:stretch>
+              <a:fillRect/>
+            </a:stretch>
+          </p:blipFill>
+          <p:spPr bwMode="auto">
+            <a:xfrm rot="5400000">
+              <a:off x="-553323" y="1966381"/>
+              <a:ext cx="2054597" cy="728448"/>
+            </a:xfrm>
+            <a:prstGeom prst="rect">
+              <a:avLst/>
+            </a:prstGeom>
+            <a:noFill/>
+            <a:extLst>
+              <a:ext uri="{909E8E84-426E-40DD-AFC4-6F175D3DCCD1}">
+                <a14:hiddenFill xmlns:a14="http://schemas.microsoft.com/office/drawing/2010/main">
+                  <a:solidFill>
+                    <a:srgbClr val="FFFFFF"/>
+                  </a:solidFill>
+                </a14:hiddenFill>
+              </a:ext>
+            </a:extLst>
+          </p:spPr>
+        </p:pic>
+        <p:pic>
+          <p:nvPicPr>
+            <p:cNvPr id="8" name="Picture 2">
+              <a:extLst>
+                <a:ext uri="{FF2B5EF4-FFF2-40B4-BE49-F238E27FC236}">
+                  <a16:creationId xmlns:a16="http://schemas.microsoft.com/office/drawing/2014/main" id="{14D1817F-3D04-4C64-A4FE-5A05EE5AF1AA}"/>
+                </a:ext>
+              </a:extLst>
+            </p:cNvPr>
+            <p:cNvPicPr>
+              <a:picLocks noChangeAspect="1" noChangeArrowheads="1"/>
+            </p:cNvPicPr>
+            <p:nvPr userDrawn="1"/>
+          </p:nvPicPr>
+          <p:blipFill>
+            <a:blip r:embed="rId13">
+              <a:extLst>
+                <a:ext uri="{28A0092B-C50C-407E-A947-70E740481C1C}">
+                  <a14:useLocalDpi xmlns:a14="http://schemas.microsoft.com/office/drawing/2010/main" val="0"/>
+                </a:ext>
+              </a:extLst>
+            </a:blip>
+            <a:srcRect/>
+            <a:stretch>
+              <a:fillRect/>
+            </a:stretch>
+          </p:blipFill>
+          <p:spPr bwMode="auto">
+            <a:xfrm rot="16200000" flipV="1">
+              <a:off x="-553324" y="4092076"/>
+              <a:ext cx="2054597" cy="728448"/>
+            </a:xfrm>
+            <a:prstGeom prst="rect">
+              <a:avLst/>
+            </a:prstGeom>
+            <a:noFill/>
+            <a:extLst>
+              <a:ext uri="{909E8E84-426E-40DD-AFC4-6F175D3DCCD1}">
+                <a14:hiddenFill xmlns:a14="http://schemas.microsoft.com/office/drawing/2010/main">
+                  <a:solidFill>
+                    <a:srgbClr val="FFFFFF"/>
+                  </a:solidFill>
+                </a14:hiddenFill>
+              </a:ext>
+            </a:extLst>
+          </p:spPr>
+        </p:pic>
+      </p:grpSp>
+      <p:grpSp>
+        <p:nvGrpSpPr>
+          <p:cNvPr id="10" name="Group 9">
+            <a:extLst>
+              <a:ext uri="{FF2B5EF4-FFF2-40B4-BE49-F238E27FC236}">
+                <a16:creationId xmlns:a16="http://schemas.microsoft.com/office/drawing/2014/main" id="{6E47F365-AB29-4796-B8B8-0D76EA022993}"/>
+              </a:ext>
+            </a:extLst>
+          </p:cNvPr>
+          <p:cNvGrpSpPr/>
+          <p:nvPr userDrawn="1"/>
+        </p:nvGrpSpPr>
+        <p:grpSpPr>
+          <a:xfrm flipH="1">
+            <a:off x="11463551" y="1338854"/>
+            <a:ext cx="728449" cy="4180292"/>
+            <a:chOff x="109751" y="1303306"/>
+            <a:chExt cx="728449" cy="4180292"/>
+          </a:xfrm>
+        </p:grpSpPr>
+        <p:pic>
+          <p:nvPicPr>
+            <p:cNvPr id="11" name="Picture 2">
+              <a:extLst>
+                <a:ext uri="{FF2B5EF4-FFF2-40B4-BE49-F238E27FC236}">
+                  <a16:creationId xmlns:a16="http://schemas.microsoft.com/office/drawing/2014/main" id="{1E292E95-28E7-49D3-92A9-ABA07C0DD51D}"/>
+                </a:ext>
+              </a:extLst>
+            </p:cNvPr>
+            <p:cNvPicPr>
+              <a:picLocks noChangeAspect="1" noChangeArrowheads="1"/>
+            </p:cNvPicPr>
+            <p:nvPr userDrawn="1"/>
+          </p:nvPicPr>
+          <p:blipFill>
+            <a:blip r:embed="rId13">
+              <a:extLst>
+                <a:ext uri="{28A0092B-C50C-407E-A947-70E740481C1C}">
+                  <a14:useLocalDpi xmlns:a14="http://schemas.microsoft.com/office/drawing/2010/main" val="0"/>
+                </a:ext>
+              </a:extLst>
+            </a:blip>
+            <a:srcRect/>
+            <a:stretch>
+              <a:fillRect/>
+            </a:stretch>
+          </p:blipFill>
+          <p:spPr bwMode="auto">
+            <a:xfrm rot="5400000">
+              <a:off x="-553323" y="1966381"/>
+              <a:ext cx="2054597" cy="728448"/>
+            </a:xfrm>
+            <a:prstGeom prst="rect">
+              <a:avLst/>
+            </a:prstGeom>
+            <a:noFill/>
+            <a:extLst>
+              <a:ext uri="{909E8E84-426E-40DD-AFC4-6F175D3DCCD1}">
+                <a14:hiddenFill xmlns:a14="http://schemas.microsoft.com/office/drawing/2010/main">
+                  <a:solidFill>
+                    <a:srgbClr val="FFFFFF"/>
+                  </a:solidFill>
+                </a14:hiddenFill>
+              </a:ext>
+            </a:extLst>
+          </p:spPr>
+        </p:pic>
+        <p:pic>
+          <p:nvPicPr>
+            <p:cNvPr id="12" name="Picture 2">
+              <a:extLst>
+                <a:ext uri="{FF2B5EF4-FFF2-40B4-BE49-F238E27FC236}">
+                  <a16:creationId xmlns:a16="http://schemas.microsoft.com/office/drawing/2014/main" id="{96516397-B1D7-4A14-9BA3-28A040446316}"/>
+                </a:ext>
+              </a:extLst>
+            </p:cNvPr>
+            <p:cNvPicPr>
+              <a:picLocks noChangeAspect="1" noChangeArrowheads="1"/>
+            </p:cNvPicPr>
+            <p:nvPr userDrawn="1"/>
+          </p:nvPicPr>
+          <p:blipFill>
+            <a:blip r:embed="rId13">
+              <a:extLst>
+                <a:ext uri="{28A0092B-C50C-407E-A947-70E740481C1C}">
+                  <a14:useLocalDpi xmlns:a14="http://schemas.microsoft.com/office/drawing/2010/main" val="0"/>
+                </a:ext>
+              </a:extLst>
+            </a:blip>
+            <a:srcRect/>
+            <a:stretch>
+              <a:fillRect/>
+            </a:stretch>
+          </p:blipFill>
+          <p:spPr bwMode="auto">
+            <a:xfrm rot="16200000" flipV="1">
+              <a:off x="-553324" y="4092076"/>
+              <a:ext cx="2054597" cy="728448"/>
+            </a:xfrm>
+            <a:prstGeom prst="rect">
+              <a:avLst/>
+            </a:prstGeom>
+            <a:noFill/>
+            <a:extLst>
+              <a:ext uri="{909E8E84-426E-40DD-AFC4-6F175D3DCCD1}">
+                <a14:hiddenFill xmlns:a14="http://schemas.microsoft.com/office/drawing/2010/main">
+                  <a:solidFill>
+                    <a:srgbClr val="FFFFFF"/>
+                  </a:solidFill>
+                </a14:hiddenFill>
+              </a:ext>
+            </a:extLst>
+          </p:spPr>
+        </p:pic>
+      </p:grpSp>
     </p:spTree>
     <p:extLst>
       <p:ext uri="{BB962C8B-B14F-4D97-AF65-F5344CB8AC3E}">
@@ -3531,11 +3769,11 @@
   <p:clrMapOvr>
     <a:masterClrMapping/>
   </p:clrMapOvr>
-  <mc:AlternateContent xmlns:mc="http://schemas.openxmlformats.org/markup-compatibility/2006">
-    <mc:Choice xmlns:p14="http://schemas.microsoft.com/office/powerpoint/2010/main" Requires="p14">
+  <mc:AlternateContent xmlns:mc="http://schemas.openxmlformats.org/markup-compatibility/2006" xmlns:p14="http://schemas.microsoft.com/office/powerpoint/2010/main">
+    <mc:Choice Requires="p14">
       <p:transition p14:dur="0" advClick="0" advTm="0"/>
     </mc:Choice>
-    <mc:Fallback>
+    <mc:Fallback xmlns="">
       <p:transition advClick="0" advTm="0"/>
     </mc:Fallback>
   </mc:AlternateContent>
@@ -3852,13 +4090,13 @@
   <p:clrMapOvr>
     <a:masterClrMapping/>
   </p:clrMapOvr>
-  <mc:AlternateContent xmlns:mc="http://schemas.openxmlformats.org/markup-compatibility/2006">
-    <mc:Choice xmlns:p15="http://schemas.microsoft.com/office/powerpoint/2012/main" Requires="p15">
+  <mc:AlternateContent xmlns:mc="http://schemas.openxmlformats.org/markup-compatibility/2006" xmlns:p15="http://schemas.microsoft.com/office/powerpoint/2012/main">
+    <mc:Choice Requires="p15">
       <p:transition xmlns:p14="http://schemas.microsoft.com/office/powerpoint/2010/main" spd="slow" p14:dur="2000">
         <p15:prstTrans prst="curtains"/>
       </p:transition>
     </mc:Choice>
-    <mc:Fallback>
+    <mc:Fallback xmlns="">
       <p:transition spd="slow">
         <p:fade/>
       </p:transition>
@@ -4229,13 +4467,13 @@
   <p:clrMapOvr>
     <a:masterClrMapping/>
   </p:clrMapOvr>
-  <mc:AlternateContent xmlns:mc="http://schemas.openxmlformats.org/markup-compatibility/2006">
-    <mc:Choice xmlns:p159="http://schemas.microsoft.com/office/powerpoint/2015/09/main" Requires="p159">
+  <mc:AlternateContent xmlns:mc="http://schemas.openxmlformats.org/markup-compatibility/2006" xmlns:p159="http://schemas.microsoft.com/office/powerpoint/2015/09/main">
+    <mc:Choice Requires="p159">
       <p:transition xmlns:p14="http://schemas.microsoft.com/office/powerpoint/2010/main" spd="slow" p14:dur="2000">
         <p159:morph option="byObject"/>
       </p:transition>
     </mc:Choice>
-    <mc:Fallback>
+    <mc:Fallback xmlns="">
       <p:transition spd="slow">
         <p:fade/>
       </p:transition>
@@ -5480,6 +5718,16 @@
               <a:t> Tự tìm hiểu về chức năng, câu lệnh để sử dụng.</a:t>
             </a:r>
           </a:p>
+          <a:p>
+            <a:pPr>
+              <a:buFont typeface="Wingdings" panose="05000000000000000000" pitchFamily="2" charset="2"/>
+              <a:buChar char="ü"/>
+            </a:pPr>
+            <a:r>
+              <a:rPr lang="en-US"/>
+              <a:t> Nhờ sự hướng dẫn của giáo viên.</a:t>
+            </a:r>
+          </a:p>
         </p:txBody>
       </p:sp>
     </p:spTree>
@@ -5492,13 +5740,13 @@
   <p:clrMapOvr>
     <a:masterClrMapping/>
   </p:clrMapOvr>
-  <mc:AlternateContent xmlns:mc="http://schemas.openxmlformats.org/markup-compatibility/2006">
-    <mc:Choice xmlns:p14="http://schemas.microsoft.com/office/powerpoint/2010/main" Requires="p14">
+  <mc:AlternateContent xmlns:mc="http://schemas.openxmlformats.org/markup-compatibility/2006" xmlns:p14="http://schemas.microsoft.com/office/powerpoint/2010/main">
+    <mc:Choice Requires="p14">
       <p:transition spd="slow" p14:dur="1600">
         <p:blinds dir="vert"/>
       </p:transition>
     </mc:Choice>
-    <mc:Fallback>
+    <mc:Fallback xmlns="">
       <p:transition spd="slow">
         <p:blinds dir="vert"/>
       </p:transition>
@@ -5737,6 +5985,67 @@
                       </p:childTnLst>
                     </p:cTn>
                   </p:par>
+                  <p:par>
+                    <p:cTn id="20" fill="hold">
+                      <p:stCondLst>
+                        <p:cond delay="indefinite"/>
+                      </p:stCondLst>
+                      <p:childTnLst>
+                        <p:par>
+                          <p:cTn id="21" fill="hold">
+                            <p:stCondLst>
+                              <p:cond delay="0"/>
+                            </p:stCondLst>
+                            <p:childTnLst>
+                              <p:par>
+                                <p:cTn id="22" presetID="21" presetClass="entr" presetSubtype="1" fill="hold" grpId="0" nodeType="clickEffect">
+                                  <p:stCondLst>
+                                    <p:cond delay="0"/>
+                                  </p:stCondLst>
+                                  <p:childTnLst>
+                                    <p:set>
+                                      <p:cBhvr>
+                                        <p:cTn id="23" dur="1" fill="hold">
+                                          <p:stCondLst>
+                                            <p:cond delay="0"/>
+                                          </p:stCondLst>
+                                        </p:cTn>
+                                        <p:tgtEl>
+                                          <p:spTgt spid="4">
+                                            <p:txEl>
+                                              <p:pRg st="2" end="2"/>
+                                            </p:txEl>
+                                          </p:spTgt>
+                                        </p:tgtEl>
+                                        <p:attrNameLst>
+                                          <p:attrName>style.visibility</p:attrName>
+                                        </p:attrNameLst>
+                                      </p:cBhvr>
+                                      <p:to>
+                                        <p:strVal val="visible"/>
+                                      </p:to>
+                                    </p:set>
+                                    <p:animEffect transition="in" filter="wheel(1)">
+                                      <p:cBhvr>
+                                        <p:cTn id="24" dur="500"/>
+                                        <p:tgtEl>
+                                          <p:spTgt spid="4">
+                                            <p:txEl>
+                                              <p:pRg st="2" end="2"/>
+                                            </p:txEl>
+                                          </p:spTgt>
+                                        </p:tgtEl>
+                                      </p:cBhvr>
+                                    </p:animEffect>
+                                  </p:childTnLst>
+                                </p:cTn>
+                              </p:par>
+                            </p:childTnLst>
+                          </p:cTn>
+                        </p:par>
+                      </p:childTnLst>
+                    </p:cTn>
+                  </p:par>
                 </p:childTnLst>
               </p:cTn>
               <p:prevCondLst>
@@ -5853,6 +6162,26 @@
               <a:t> Có thể đưa dữ liệu lên cơ sở dữ liệu hay máy chủ.</a:t>
             </a:r>
           </a:p>
+          <a:p>
+            <a:pPr>
+              <a:buFont typeface="Wingdings" panose="05000000000000000000" pitchFamily="2" charset="2"/>
+              <a:buChar char="Ø"/>
+            </a:pPr>
+            <a:r>
+              <a:rPr lang="en-US"/>
+              <a:t> Làm thêm các cách đăng nhập, đăng kí khác ngoài mặc định của trang web.</a:t>
+            </a:r>
+          </a:p>
+          <a:p>
+            <a:pPr>
+              <a:buFont typeface="Wingdings" panose="05000000000000000000" pitchFamily="2" charset="2"/>
+              <a:buChar char="Ø"/>
+            </a:pPr>
+            <a:r>
+              <a:rPr lang="en-US"/>
+              <a:t> Tổ chức cho trang web một diễn đàn.</a:t>
+            </a:r>
+          </a:p>
         </p:txBody>
       </p:sp>
     </p:spTree>
@@ -5865,13 +6194,13 @@
   <p:clrMapOvr>
     <a:masterClrMapping/>
   </p:clrMapOvr>
-  <mc:AlternateContent xmlns:mc="http://schemas.openxmlformats.org/markup-compatibility/2006">
-    <mc:Choice xmlns:p14="http://schemas.microsoft.com/office/powerpoint/2010/main" Requires="p14">
+  <mc:AlternateContent xmlns:mc="http://schemas.openxmlformats.org/markup-compatibility/2006" xmlns:p14="http://schemas.microsoft.com/office/powerpoint/2010/main">
+    <mc:Choice Requires="p14">
       <p:transition spd="slow" p14:dur="1500">
         <p:split orient="vert"/>
       </p:transition>
     </mc:Choice>
-    <mc:Fallback>
+    <mc:Fallback xmlns="">
       <p:transition spd="slow">
         <p:split orient="vert"/>
       </p:transition>
@@ -6149,6 +6478,236 @@
                                           <p:spTgt spid="3">
                                             <p:txEl>
                                               <p:pRg st="1" end="1"/>
+                                            </p:txEl>
+                                          </p:spTgt>
+                                        </p:tgtEl>
+                                        <p:attrNameLst>
+                                          <p:attrName>ppt_y</p:attrName>
+                                        </p:attrNameLst>
+                                      </p:cBhvr>
+                                      <p:tavLst>
+                                        <p:tav tm="0">
+                                          <p:val>
+                                            <p:strVal val="#ppt_y+.1"/>
+                                          </p:val>
+                                        </p:tav>
+                                        <p:tav tm="100000">
+                                          <p:val>
+                                            <p:strVal val="#ppt_y"/>
+                                          </p:val>
+                                        </p:tav>
+                                      </p:tavLst>
+                                    </p:anim>
+                                  </p:childTnLst>
+                                </p:cTn>
+                              </p:par>
+                            </p:childTnLst>
+                          </p:cTn>
+                        </p:par>
+                      </p:childTnLst>
+                    </p:cTn>
+                  </p:par>
+                  <p:par>
+                    <p:cTn id="20" fill="hold">
+                      <p:stCondLst>
+                        <p:cond delay="indefinite"/>
+                      </p:stCondLst>
+                      <p:childTnLst>
+                        <p:par>
+                          <p:cTn id="21" fill="hold">
+                            <p:stCondLst>
+                              <p:cond delay="0"/>
+                            </p:stCondLst>
+                            <p:childTnLst>
+                              <p:par>
+                                <p:cTn id="22" presetID="42" presetClass="entr" presetSubtype="0" fill="hold" grpId="0" nodeType="clickEffect">
+                                  <p:stCondLst>
+                                    <p:cond delay="0"/>
+                                  </p:stCondLst>
+                                  <p:childTnLst>
+                                    <p:set>
+                                      <p:cBhvr>
+                                        <p:cTn id="23" dur="1" fill="hold">
+                                          <p:stCondLst>
+                                            <p:cond delay="0"/>
+                                          </p:stCondLst>
+                                        </p:cTn>
+                                        <p:tgtEl>
+                                          <p:spTgt spid="3">
+                                            <p:txEl>
+                                              <p:pRg st="2" end="2"/>
+                                            </p:txEl>
+                                          </p:spTgt>
+                                        </p:tgtEl>
+                                        <p:attrNameLst>
+                                          <p:attrName>style.visibility</p:attrName>
+                                        </p:attrNameLst>
+                                      </p:cBhvr>
+                                      <p:to>
+                                        <p:strVal val="visible"/>
+                                      </p:to>
+                                    </p:set>
+                                    <p:animEffect transition="in" filter="fade">
+                                      <p:cBhvr>
+                                        <p:cTn id="24" dur="1000"/>
+                                        <p:tgtEl>
+                                          <p:spTgt spid="3">
+                                            <p:txEl>
+                                              <p:pRg st="2" end="2"/>
+                                            </p:txEl>
+                                          </p:spTgt>
+                                        </p:tgtEl>
+                                      </p:cBhvr>
+                                    </p:animEffect>
+                                    <p:anim calcmode="lin" valueType="num">
+                                      <p:cBhvr>
+                                        <p:cTn id="25" dur="1000" fill="hold"/>
+                                        <p:tgtEl>
+                                          <p:spTgt spid="3">
+                                            <p:txEl>
+                                              <p:pRg st="2" end="2"/>
+                                            </p:txEl>
+                                          </p:spTgt>
+                                        </p:tgtEl>
+                                        <p:attrNameLst>
+                                          <p:attrName>ppt_x</p:attrName>
+                                        </p:attrNameLst>
+                                      </p:cBhvr>
+                                      <p:tavLst>
+                                        <p:tav tm="0">
+                                          <p:val>
+                                            <p:strVal val="#ppt_x"/>
+                                          </p:val>
+                                        </p:tav>
+                                        <p:tav tm="100000">
+                                          <p:val>
+                                            <p:strVal val="#ppt_x"/>
+                                          </p:val>
+                                        </p:tav>
+                                      </p:tavLst>
+                                    </p:anim>
+                                    <p:anim calcmode="lin" valueType="num">
+                                      <p:cBhvr>
+                                        <p:cTn id="26" dur="1000" fill="hold"/>
+                                        <p:tgtEl>
+                                          <p:spTgt spid="3">
+                                            <p:txEl>
+                                              <p:pRg st="2" end="2"/>
+                                            </p:txEl>
+                                          </p:spTgt>
+                                        </p:tgtEl>
+                                        <p:attrNameLst>
+                                          <p:attrName>ppt_y</p:attrName>
+                                        </p:attrNameLst>
+                                      </p:cBhvr>
+                                      <p:tavLst>
+                                        <p:tav tm="0">
+                                          <p:val>
+                                            <p:strVal val="#ppt_y+.1"/>
+                                          </p:val>
+                                        </p:tav>
+                                        <p:tav tm="100000">
+                                          <p:val>
+                                            <p:strVal val="#ppt_y"/>
+                                          </p:val>
+                                        </p:tav>
+                                      </p:tavLst>
+                                    </p:anim>
+                                  </p:childTnLst>
+                                </p:cTn>
+                              </p:par>
+                            </p:childTnLst>
+                          </p:cTn>
+                        </p:par>
+                      </p:childTnLst>
+                    </p:cTn>
+                  </p:par>
+                  <p:par>
+                    <p:cTn id="27" fill="hold">
+                      <p:stCondLst>
+                        <p:cond delay="indefinite"/>
+                      </p:stCondLst>
+                      <p:childTnLst>
+                        <p:par>
+                          <p:cTn id="28" fill="hold">
+                            <p:stCondLst>
+                              <p:cond delay="0"/>
+                            </p:stCondLst>
+                            <p:childTnLst>
+                              <p:par>
+                                <p:cTn id="29" presetID="42" presetClass="entr" presetSubtype="0" fill="hold" grpId="0" nodeType="clickEffect">
+                                  <p:stCondLst>
+                                    <p:cond delay="0"/>
+                                  </p:stCondLst>
+                                  <p:childTnLst>
+                                    <p:set>
+                                      <p:cBhvr>
+                                        <p:cTn id="30" dur="1" fill="hold">
+                                          <p:stCondLst>
+                                            <p:cond delay="0"/>
+                                          </p:stCondLst>
+                                        </p:cTn>
+                                        <p:tgtEl>
+                                          <p:spTgt spid="3">
+                                            <p:txEl>
+                                              <p:pRg st="3" end="3"/>
+                                            </p:txEl>
+                                          </p:spTgt>
+                                        </p:tgtEl>
+                                        <p:attrNameLst>
+                                          <p:attrName>style.visibility</p:attrName>
+                                        </p:attrNameLst>
+                                      </p:cBhvr>
+                                      <p:to>
+                                        <p:strVal val="visible"/>
+                                      </p:to>
+                                    </p:set>
+                                    <p:animEffect transition="in" filter="fade">
+                                      <p:cBhvr>
+                                        <p:cTn id="31" dur="1000"/>
+                                        <p:tgtEl>
+                                          <p:spTgt spid="3">
+                                            <p:txEl>
+                                              <p:pRg st="3" end="3"/>
+                                            </p:txEl>
+                                          </p:spTgt>
+                                        </p:tgtEl>
+                                      </p:cBhvr>
+                                    </p:animEffect>
+                                    <p:anim calcmode="lin" valueType="num">
+                                      <p:cBhvr>
+                                        <p:cTn id="32" dur="1000" fill="hold"/>
+                                        <p:tgtEl>
+                                          <p:spTgt spid="3">
+                                            <p:txEl>
+                                              <p:pRg st="3" end="3"/>
+                                            </p:txEl>
+                                          </p:spTgt>
+                                        </p:tgtEl>
+                                        <p:attrNameLst>
+                                          <p:attrName>ppt_x</p:attrName>
+                                        </p:attrNameLst>
+                                      </p:cBhvr>
+                                      <p:tavLst>
+                                        <p:tav tm="0">
+                                          <p:val>
+                                            <p:strVal val="#ppt_x"/>
+                                          </p:val>
+                                        </p:tav>
+                                        <p:tav tm="100000">
+                                          <p:val>
+                                            <p:strVal val="#ppt_x"/>
+                                          </p:val>
+                                        </p:tav>
+                                      </p:tavLst>
+                                    </p:anim>
+                                    <p:anim calcmode="lin" valueType="num">
+                                      <p:cBhvr>
+                                        <p:cTn id="33" dur="1000" fill="hold"/>
+                                        <p:tgtEl>
+                                          <p:spTgt spid="3">
+                                            <p:txEl>
+                                              <p:pRg st="3" end="3"/>
                                             </p:txEl>
                                           </p:spTgt>
                                         </p:tgtEl>
